--- a/Arquitectura.pptx
+++ b/Arquitectura.pptx
@@ -6,9 +6,8 @@
   </p:sldMasterIdLst>
   <p:sldIdLst>
     <p:sldId id="256" r:id="rId2"/>
-    <p:sldId id="257" r:id="rId3"/>
-    <p:sldId id="258" r:id="rId4"/>
-    <p:sldId id="259" r:id="rId5"/>
+    <p:sldId id="258" r:id="rId3"/>
+    <p:sldId id="259" r:id="rId4"/>
   </p:sldIdLst>
   <p:sldSz cx="12192000" cy="6858000"/>
   <p:notesSz cx="6858000" cy="9144000"/>
@@ -365,7 +364,7 @@
           <a:p>
             <a:fld id="{D08394F6-24A6-437E-9DA0-7932DA0321EE}" type="datetimeFigureOut">
               <a:rPr lang="es-EC" smtClean="0"/>
-              <a:t>9/12/2021</a:t>
+              <a:t>24/1/2023</a:t>
             </a:fld>
             <a:endParaRPr lang="es-EC"/>
           </a:p>
@@ -565,7 +564,7 @@
           <a:p>
             <a:fld id="{D08394F6-24A6-437E-9DA0-7932DA0321EE}" type="datetimeFigureOut">
               <a:rPr lang="es-EC" smtClean="0"/>
-              <a:t>9/12/2021</a:t>
+              <a:t>24/1/2023</a:t>
             </a:fld>
             <a:endParaRPr lang="es-EC"/>
           </a:p>
@@ -775,7 +774,7 @@
           <a:p>
             <a:fld id="{D08394F6-24A6-437E-9DA0-7932DA0321EE}" type="datetimeFigureOut">
               <a:rPr lang="es-EC" smtClean="0"/>
-              <a:t>9/12/2021</a:t>
+              <a:t>24/1/2023</a:t>
             </a:fld>
             <a:endParaRPr lang="es-EC"/>
           </a:p>
@@ -975,7 +974,7 @@
           <a:p>
             <a:fld id="{D08394F6-24A6-437E-9DA0-7932DA0321EE}" type="datetimeFigureOut">
               <a:rPr lang="es-EC" smtClean="0"/>
-              <a:t>9/12/2021</a:t>
+              <a:t>24/1/2023</a:t>
             </a:fld>
             <a:endParaRPr lang="es-EC"/>
           </a:p>
@@ -1251,7 +1250,7 @@
           <a:p>
             <a:fld id="{D08394F6-24A6-437E-9DA0-7932DA0321EE}" type="datetimeFigureOut">
               <a:rPr lang="es-EC" smtClean="0"/>
-              <a:t>9/12/2021</a:t>
+              <a:t>24/1/2023</a:t>
             </a:fld>
             <a:endParaRPr lang="es-EC"/>
           </a:p>
@@ -1519,7 +1518,7 @@
           <a:p>
             <a:fld id="{D08394F6-24A6-437E-9DA0-7932DA0321EE}" type="datetimeFigureOut">
               <a:rPr lang="es-EC" smtClean="0"/>
-              <a:t>9/12/2021</a:t>
+              <a:t>24/1/2023</a:t>
             </a:fld>
             <a:endParaRPr lang="es-EC"/>
           </a:p>
@@ -1934,7 +1933,7 @@
           <a:p>
             <a:fld id="{D08394F6-24A6-437E-9DA0-7932DA0321EE}" type="datetimeFigureOut">
               <a:rPr lang="es-EC" smtClean="0"/>
-              <a:t>9/12/2021</a:t>
+              <a:t>24/1/2023</a:t>
             </a:fld>
             <a:endParaRPr lang="es-EC"/>
           </a:p>
@@ -2076,7 +2075,7 @@
           <a:p>
             <a:fld id="{D08394F6-24A6-437E-9DA0-7932DA0321EE}" type="datetimeFigureOut">
               <a:rPr lang="es-EC" smtClean="0"/>
-              <a:t>9/12/2021</a:t>
+              <a:t>24/1/2023</a:t>
             </a:fld>
             <a:endParaRPr lang="es-EC"/>
           </a:p>
@@ -2189,7 +2188,7 @@
           <a:p>
             <a:fld id="{D08394F6-24A6-437E-9DA0-7932DA0321EE}" type="datetimeFigureOut">
               <a:rPr lang="es-EC" smtClean="0"/>
-              <a:t>9/12/2021</a:t>
+              <a:t>24/1/2023</a:t>
             </a:fld>
             <a:endParaRPr lang="es-EC"/>
           </a:p>
@@ -2502,7 +2501,7 @@
           <a:p>
             <a:fld id="{D08394F6-24A6-437E-9DA0-7932DA0321EE}" type="datetimeFigureOut">
               <a:rPr lang="es-EC" smtClean="0"/>
-              <a:t>9/12/2021</a:t>
+              <a:t>24/1/2023</a:t>
             </a:fld>
             <a:endParaRPr lang="es-EC"/>
           </a:p>
@@ -2791,7 +2790,7 @@
           <a:p>
             <a:fld id="{D08394F6-24A6-437E-9DA0-7932DA0321EE}" type="datetimeFigureOut">
               <a:rPr lang="es-EC" smtClean="0"/>
-              <a:t>9/12/2021</a:t>
+              <a:t>24/1/2023</a:t>
             </a:fld>
             <a:endParaRPr lang="es-EC"/>
           </a:p>
@@ -3034,7 +3033,7 @@
           <a:p>
             <a:fld id="{D08394F6-24A6-437E-9DA0-7932DA0321EE}" type="datetimeFigureOut">
               <a:rPr lang="es-EC" smtClean="0"/>
-              <a:t>9/12/2021</a:t>
+              <a:t>24/1/2023</a:t>
             </a:fld>
             <a:endParaRPr lang="es-EC"/>
           </a:p>
@@ -3580,7 +3579,7 @@
             <a:pPr algn="ctr"/>
             <a:r>
               <a:rPr lang="es-EC" dirty="0"/>
-              <a:t>PYTHON</a:t>
+              <a:t>lumen</a:t>
             </a:r>
           </a:p>
         </p:txBody>
@@ -3599,8 +3598,8 @@
         </p:nvSpPr>
         <p:spPr>
           <a:xfrm>
-            <a:off x="662730" y="2726422"/>
-            <a:ext cx="3942826" cy="394283"/>
+            <a:off x="662729" y="2726422"/>
+            <a:ext cx="6515737" cy="394283"/>
           </a:xfrm>
           <a:prstGeom prst="rect">
             <a:avLst/>
@@ -3773,7 +3772,7 @@
         </p:nvSpPr>
         <p:spPr>
           <a:xfrm>
-            <a:off x="662730" y="587229"/>
+            <a:off x="3311554" y="643752"/>
             <a:ext cx="1996580" cy="5486400"/>
           </a:xfrm>
           <a:prstGeom prst="rect">
@@ -3803,32 +3802,7 @@
             <a:pPr algn="ctr"/>
             <a:r>
               <a:rPr lang="es-EC" dirty="0"/>
-              <a:t>PERSISTENCIA</a:t>
-            </a:r>
-          </a:p>
-          <a:p>
-            <a:pPr algn="ctr"/>
-            <a:r>
-              <a:rPr lang="es-EC" dirty="0"/>
-              <a:t>BDD</a:t>
-            </a:r>
-          </a:p>
-          <a:p>
-            <a:pPr algn="ctr"/>
-            <a:endParaRPr lang="es-EC" dirty="0"/>
-          </a:p>
-          <a:p>
-            <a:pPr algn="ctr"/>
-            <a:r>
-              <a:rPr lang="es-EC" dirty="0"/>
-              <a:t>MONGODB</a:t>
-            </a:r>
-          </a:p>
-          <a:p>
-            <a:pPr algn="ctr"/>
-            <a:r>
-              <a:rPr lang="es-EC" dirty="0"/>
-              <a:t>MONGO EXPRESS</a:t>
+              <a:t>SERVICIO</a:t>
             </a:r>
           </a:p>
         </p:txBody>
@@ -3847,8 +3821,8 @@
         </p:nvSpPr>
         <p:spPr>
           <a:xfrm>
-            <a:off x="2796330" y="587228"/>
-            <a:ext cx="5315824" cy="5486401"/>
+            <a:off x="5445154" y="643752"/>
+            <a:ext cx="5315824" cy="3372376"/>
           </a:xfrm>
           <a:prstGeom prst="rect">
             <a:avLst/>
@@ -3871,13 +3845,196 @@
           </a:fontRef>
         </p:style>
         <p:txBody>
+          <a:bodyPr rtlCol="0" anchor="b"/>
+          <a:lstStyle/>
+          <a:p>
+            <a:pPr algn="ctr"/>
+            <a:r>
+              <a:rPr lang="es-EC" dirty="0"/>
+              <a:t>COMPONENTE</a:t>
+            </a:r>
+          </a:p>
+        </p:txBody>
+      </p:sp>
+      <p:sp>
+        <p:nvSpPr>
+          <p:cNvPr id="9" name="CuadroTexto 8">
+            <a:extLst>
+              <a:ext uri="{FF2B5EF4-FFF2-40B4-BE49-F238E27FC236}">
+                <a16:creationId xmlns:a16="http://schemas.microsoft.com/office/drawing/2014/main" id="{1D79D841-4F20-408F-88F3-9806B05A49B9}"/>
+              </a:ext>
+            </a:extLst>
+          </p:cNvPr>
+          <p:cNvSpPr txBox="1"/>
+          <p:nvPr/>
+        </p:nvSpPr>
+        <p:spPr>
+          <a:xfrm>
+            <a:off x="4186106" y="0"/>
+            <a:ext cx="3072059" cy="369332"/>
+          </a:xfrm>
+          <a:prstGeom prst="rect">
+            <a:avLst/>
+          </a:prstGeom>
+          <a:noFill/>
+        </p:spPr>
+        <p:txBody>
+          <a:bodyPr wrap="none" rtlCol="0">
+            <a:spAutoFit/>
+          </a:bodyPr>
+          <a:lstStyle/>
+          <a:p>
+            <a:r>
+              <a:rPr lang="es-EC" dirty="0"/>
+              <a:t>ARQUITECTURA DE FRONTEND</a:t>
+            </a:r>
+          </a:p>
+        </p:txBody>
+      </p:sp>
+      <p:sp>
+        <p:nvSpPr>
+          <p:cNvPr id="3" name="Elipse 2">
+            <a:extLst>
+              <a:ext uri="{FF2B5EF4-FFF2-40B4-BE49-F238E27FC236}">
+                <a16:creationId xmlns:a16="http://schemas.microsoft.com/office/drawing/2014/main" id="{E37AE821-0F8C-42EA-A65D-4B768EFAA5EB}"/>
+              </a:ext>
+            </a:extLst>
+          </p:cNvPr>
+          <p:cNvSpPr/>
+          <p:nvPr/>
+        </p:nvSpPr>
+        <p:spPr>
+          <a:xfrm>
+            <a:off x="2963411" y="1038034"/>
+            <a:ext cx="696286" cy="620786"/>
+          </a:xfrm>
+          <a:prstGeom prst="ellipse">
+            <a:avLst/>
+          </a:prstGeom>
+        </p:spPr>
+        <p:style>
+          <a:lnRef idx="2">
+            <a:schemeClr val="accent2">
+              <a:shade val="50000"/>
+            </a:schemeClr>
+          </a:lnRef>
+          <a:fillRef idx="1">
+            <a:schemeClr val="accent2"/>
+          </a:fillRef>
+          <a:effectRef idx="0">
+            <a:schemeClr val="accent2"/>
+          </a:effectRef>
+          <a:fontRef idx="minor">
+            <a:schemeClr val="lt1"/>
+          </a:fontRef>
+        </p:style>
+        <p:txBody>
           <a:bodyPr rtlCol="0" anchor="ctr"/>
           <a:lstStyle/>
           <a:p>
             <a:pPr algn="ctr"/>
+            <a:endParaRPr lang="es-EC"/>
+          </a:p>
+        </p:txBody>
+      </p:sp>
+      <p:sp>
+        <p:nvSpPr>
+          <p:cNvPr id="18" name="Elipse 17">
+            <a:extLst>
+              <a:ext uri="{FF2B5EF4-FFF2-40B4-BE49-F238E27FC236}">
+                <a16:creationId xmlns:a16="http://schemas.microsoft.com/office/drawing/2014/main" id="{E37CCEA5-B9FD-489B-B4A3-167F980630D7}"/>
+              </a:ext>
+            </a:extLst>
+          </p:cNvPr>
+          <p:cNvSpPr/>
+          <p:nvPr/>
+        </p:nvSpPr>
+        <p:spPr>
+          <a:xfrm>
+            <a:off x="2963411" y="1742709"/>
+            <a:ext cx="696286" cy="620786"/>
+          </a:xfrm>
+          <a:prstGeom prst="ellipse">
+            <a:avLst/>
+          </a:prstGeom>
+        </p:spPr>
+        <p:style>
+          <a:lnRef idx="2">
+            <a:schemeClr val="accent2">
+              <a:shade val="50000"/>
+            </a:schemeClr>
+          </a:lnRef>
+          <a:fillRef idx="1">
+            <a:schemeClr val="accent2"/>
+          </a:fillRef>
+          <a:effectRef idx="0">
+            <a:schemeClr val="accent2"/>
+          </a:effectRef>
+          <a:fontRef idx="minor">
+            <a:schemeClr val="lt1"/>
+          </a:fontRef>
+        </p:style>
+        <p:txBody>
+          <a:bodyPr rtlCol="0" anchor="ctr"/>
+          <a:lstStyle/>
+          <a:p>
+            <a:pPr algn="ctr"/>
+            <a:endParaRPr lang="es-EC"/>
+          </a:p>
+        </p:txBody>
+      </p:sp>
+      <p:sp>
+        <p:nvSpPr>
+          <p:cNvPr id="7" name="Rectángulo 6">
+            <a:extLst>
+              <a:ext uri="{FF2B5EF4-FFF2-40B4-BE49-F238E27FC236}">
+                <a16:creationId xmlns:a16="http://schemas.microsoft.com/office/drawing/2014/main" id="{C3970E8A-D24D-4E55-8413-8F76E5039246}"/>
+              </a:ext>
+            </a:extLst>
+          </p:cNvPr>
+          <p:cNvSpPr/>
+          <p:nvPr/>
+        </p:nvSpPr>
+        <p:spPr>
+          <a:xfrm>
+            <a:off x="5445154" y="643750"/>
+            <a:ext cx="1652632" cy="2994885"/>
+          </a:xfrm>
+          <a:prstGeom prst="rect">
+            <a:avLst/>
+          </a:prstGeom>
+        </p:spPr>
+        <p:style>
+          <a:lnRef idx="2">
+            <a:schemeClr val="accent6">
+              <a:shade val="50000"/>
+            </a:schemeClr>
+          </a:lnRef>
+          <a:fillRef idx="1">
+            <a:schemeClr val="accent6"/>
+          </a:fillRef>
+          <a:effectRef idx="0">
+            <a:schemeClr val="accent6"/>
+          </a:effectRef>
+          <a:fontRef idx="minor">
+            <a:schemeClr val="lt1"/>
+          </a:fontRef>
+        </p:style>
+        <p:txBody>
+          <a:bodyPr rtlCol="0" anchor="ctr"/>
+          <a:lstStyle/>
+          <a:p>
+            <a:pPr algn="ctr"/>
             <a:r>
               <a:rPr lang="es-EC" dirty="0"/>
-              <a:t>BACKEND</a:t>
+              <a:t>TYPESCRIPT</a:t>
+            </a:r>
+          </a:p>
+          <a:p>
+            <a:pPr algn="ctr"/>
+            <a:r>
+              <a:rPr lang="es-EC" dirty="0"/>
+              <a:t>INTELIGENCIA</a:t>
             </a:r>
           </a:p>
           <a:p>
@@ -3887,18 +4044,22 @@
           <a:p>
             <a:pPr algn="ctr"/>
             <a:r>
+              <a:rPr lang="es-EC" dirty="0" err="1"/>
+              <a:t>Eq</a:t>
+            </a:r>
+            <a:r>
               <a:rPr lang="es-EC" dirty="0"/>
-              <a:t>PYTHON</a:t>
-            </a:r>
-          </a:p>
-        </p:txBody>
-      </p:sp>
-      <p:sp>
-        <p:nvSpPr>
-          <p:cNvPr id="6" name="Rectángulo 5">
-            <a:extLst>
-              <a:ext uri="{FF2B5EF4-FFF2-40B4-BE49-F238E27FC236}">
-                <a16:creationId xmlns:a16="http://schemas.microsoft.com/office/drawing/2014/main" id="{C483F2D3-57E0-4E6B-9847-4C0D69E6627B}"/>
+              <a:t>. JAVASCRIPT</a:t>
+            </a:r>
+          </a:p>
+        </p:txBody>
+      </p:sp>
+      <p:sp>
+        <p:nvSpPr>
+          <p:cNvPr id="19" name="Rectángulo 18">
+            <a:extLst>
+              <a:ext uri="{FF2B5EF4-FFF2-40B4-BE49-F238E27FC236}">
+                <a16:creationId xmlns:a16="http://schemas.microsoft.com/office/drawing/2014/main" id="{81FA9DBF-BAAF-428D-80EE-2D0EC972EAAC}"/>
               </a:ext>
             </a:extLst>
           </p:cNvPr>
@@ -3907,8 +4068,179 @@
         </p:nvSpPr>
         <p:spPr>
           <a:xfrm>
-            <a:off x="662730" y="6207853"/>
-            <a:ext cx="7449424" cy="394283"/>
+            <a:off x="7079608" y="643737"/>
+            <a:ext cx="2028737" cy="2994885"/>
+          </a:xfrm>
+          <a:prstGeom prst="rect">
+            <a:avLst/>
+          </a:prstGeom>
+        </p:spPr>
+        <p:style>
+          <a:lnRef idx="2">
+            <a:schemeClr val="accent3">
+              <a:shade val="50000"/>
+            </a:schemeClr>
+          </a:lnRef>
+          <a:fillRef idx="1">
+            <a:schemeClr val="accent3"/>
+          </a:fillRef>
+          <a:effectRef idx="0">
+            <a:schemeClr val="accent3"/>
+          </a:effectRef>
+          <a:fontRef idx="minor">
+            <a:schemeClr val="lt1"/>
+          </a:fontRef>
+        </p:style>
+        <p:txBody>
+          <a:bodyPr rtlCol="0" anchor="ctr"/>
+          <a:lstStyle/>
+          <a:p>
+            <a:pPr algn="ctr"/>
+            <a:r>
+              <a:rPr lang="es-EC" dirty="0"/>
+              <a:t>VISTA HTML</a:t>
+            </a:r>
+          </a:p>
+          <a:p>
+            <a:pPr algn="ctr"/>
+            <a:r>
+              <a:rPr lang="es-EC" dirty="0"/>
+              <a:t>OBJETOS VISUALES</a:t>
+            </a:r>
+          </a:p>
+        </p:txBody>
+      </p:sp>
+      <p:sp>
+        <p:nvSpPr>
+          <p:cNvPr id="20" name="Rectángulo 19">
+            <a:extLst>
+              <a:ext uri="{FF2B5EF4-FFF2-40B4-BE49-F238E27FC236}">
+                <a16:creationId xmlns:a16="http://schemas.microsoft.com/office/drawing/2014/main" id="{9397F999-B135-4CC3-A5FC-AE5455880F94}"/>
+              </a:ext>
+            </a:extLst>
+          </p:cNvPr>
+          <p:cNvSpPr/>
+          <p:nvPr/>
+        </p:nvSpPr>
+        <p:spPr>
+          <a:xfrm>
+            <a:off x="9108346" y="643736"/>
+            <a:ext cx="1652632" cy="2994885"/>
+          </a:xfrm>
+          <a:prstGeom prst="rect">
+            <a:avLst/>
+          </a:prstGeom>
+          <a:solidFill>
+            <a:schemeClr val="accent4">
+              <a:lumMod val="75000"/>
+            </a:schemeClr>
+          </a:solidFill>
+        </p:spPr>
+        <p:style>
+          <a:lnRef idx="2">
+            <a:schemeClr val="accent6">
+              <a:shade val="50000"/>
+            </a:schemeClr>
+          </a:lnRef>
+          <a:fillRef idx="1">
+            <a:schemeClr val="accent6"/>
+          </a:fillRef>
+          <a:effectRef idx="0">
+            <a:schemeClr val="accent6"/>
+          </a:effectRef>
+          <a:fontRef idx="minor">
+            <a:schemeClr val="lt1"/>
+          </a:fontRef>
+        </p:style>
+        <p:txBody>
+          <a:bodyPr rtlCol="0" anchor="ctr"/>
+          <a:lstStyle/>
+          <a:p>
+            <a:pPr algn="ctr"/>
+            <a:r>
+              <a:rPr lang="es-EC" dirty="0"/>
+              <a:t>ESTILO (CSS, SCSS, SASS, LESS)</a:t>
+            </a:r>
+          </a:p>
+          <a:p>
+            <a:pPr algn="ctr"/>
+            <a:endParaRPr lang="es-EC" dirty="0"/>
+          </a:p>
+          <a:p>
+            <a:pPr algn="ctr"/>
+            <a:r>
+              <a:rPr lang="es-EC" dirty="0" err="1"/>
+              <a:t>Eq</a:t>
+            </a:r>
+            <a:r>
+              <a:rPr lang="es-EC" dirty="0"/>
+              <a:t>. CSS</a:t>
+            </a:r>
+          </a:p>
+        </p:txBody>
+      </p:sp>
+      <p:sp>
+        <p:nvSpPr>
+          <p:cNvPr id="8" name="Flecha: a la izquierda y derecha 7">
+            <a:extLst>
+              <a:ext uri="{FF2B5EF4-FFF2-40B4-BE49-F238E27FC236}">
+                <a16:creationId xmlns:a16="http://schemas.microsoft.com/office/drawing/2014/main" id="{3EC5DCE3-84AC-434D-BBE4-EEF6D5280BDF}"/>
+              </a:ext>
+            </a:extLst>
+          </p:cNvPr>
+          <p:cNvSpPr/>
+          <p:nvPr/>
+        </p:nvSpPr>
+        <p:spPr>
+          <a:xfrm>
+            <a:off x="5175308" y="3734889"/>
+            <a:ext cx="402672" cy="243281"/>
+          </a:xfrm>
+          <a:prstGeom prst="leftRightArrow">
+            <a:avLst/>
+          </a:prstGeom>
+        </p:spPr>
+        <p:style>
+          <a:lnRef idx="2">
+            <a:schemeClr val="accent2">
+              <a:shade val="50000"/>
+            </a:schemeClr>
+          </a:lnRef>
+          <a:fillRef idx="1">
+            <a:schemeClr val="accent2"/>
+          </a:fillRef>
+          <a:effectRef idx="0">
+            <a:schemeClr val="accent2"/>
+          </a:effectRef>
+          <a:fontRef idx="minor">
+            <a:schemeClr val="lt1"/>
+          </a:fontRef>
+        </p:style>
+        <p:txBody>
+          <a:bodyPr rtlCol="0" anchor="ctr"/>
+          <a:lstStyle/>
+          <a:p>
+            <a:pPr algn="ctr"/>
+            <a:endParaRPr lang="es-EC"/>
+          </a:p>
+        </p:txBody>
+      </p:sp>
+      <p:sp>
+        <p:nvSpPr>
+          <p:cNvPr id="21" name="Rectángulo 20">
+            <a:extLst>
+              <a:ext uri="{FF2B5EF4-FFF2-40B4-BE49-F238E27FC236}">
+                <a16:creationId xmlns:a16="http://schemas.microsoft.com/office/drawing/2014/main" id="{A8DB728B-F74F-4BDD-A56A-5E07E96F289B}"/>
+              </a:ext>
+            </a:extLst>
+          </p:cNvPr>
+          <p:cNvSpPr/>
+          <p:nvPr/>
+        </p:nvSpPr>
+        <p:spPr>
+          <a:xfrm>
+            <a:off x="8907010" y="4120743"/>
+            <a:ext cx="1853967" cy="2009409"/>
           </a:xfrm>
           <a:prstGeom prst="rect">
             <a:avLst/>
@@ -3931,90 +4263,37 @@
           </a:fontRef>
         </p:style>
         <p:txBody>
-          <a:bodyPr rtlCol="0" anchor="ctr"/>
+          <a:bodyPr rtlCol="0" anchor="b"/>
           <a:lstStyle/>
           <a:p>
             <a:pPr algn="ctr"/>
             <a:r>
               <a:rPr lang="es-EC" dirty="0"/>
-              <a:t>DOCKER 60 </a:t>
-            </a:r>
-            <a:r>
-              <a:rPr lang="es-EC" dirty="0" err="1"/>
-              <a:t>PythonWS</a:t>
-            </a:r>
-            <a:r>
-              <a:rPr lang="es-EC" dirty="0"/>
-              <a:t> y 90 </a:t>
-            </a:r>
-            <a:r>
-              <a:rPr lang="es-EC" dirty="0" err="1"/>
-              <a:t>MongoExpress</a:t>
-            </a:r>
-            <a:endParaRPr lang="es-EC" dirty="0"/>
-          </a:p>
-        </p:txBody>
-      </p:sp>
-      <p:sp>
-        <p:nvSpPr>
-          <p:cNvPr id="9" name="CuadroTexto 8">
-            <a:extLst>
-              <a:ext uri="{FF2B5EF4-FFF2-40B4-BE49-F238E27FC236}">
-                <a16:creationId xmlns:a16="http://schemas.microsoft.com/office/drawing/2014/main" id="{1D79D841-4F20-408F-88F3-9806B05A49B9}"/>
-              </a:ext>
-            </a:extLst>
-          </p:cNvPr>
-          <p:cNvSpPr txBox="1"/>
+              <a:t>MÓDULO (proveedores, exportaciones, importaciones)</a:t>
+            </a:r>
+          </a:p>
+        </p:txBody>
+      </p:sp>
+      <p:sp>
+        <p:nvSpPr>
+          <p:cNvPr id="23" name="Flecha: hacia arriba 22">
+            <a:extLst>
+              <a:ext uri="{FF2B5EF4-FFF2-40B4-BE49-F238E27FC236}">
+                <a16:creationId xmlns:a16="http://schemas.microsoft.com/office/drawing/2014/main" id="{07AF7ED3-CCF5-42E9-B282-BB0819B278B1}"/>
+              </a:ext>
+            </a:extLst>
+          </p:cNvPr>
+          <p:cNvSpPr/>
           <p:nvPr/>
         </p:nvSpPr>
         <p:spPr>
           <a:xfrm>
-            <a:off x="4186106" y="0"/>
-            <a:ext cx="2927725" cy="369332"/>
-          </a:xfrm>
-          <a:prstGeom prst="rect">
+            <a:off x="10182138" y="3856502"/>
+            <a:ext cx="343948" cy="467193"/>
+          </a:xfrm>
+          <a:prstGeom prst="upArrow">
             <a:avLst/>
           </a:prstGeom>
-          <a:noFill/>
-        </p:spPr>
-        <p:txBody>
-          <a:bodyPr wrap="none" rtlCol="0">
-            <a:spAutoFit/>
-          </a:bodyPr>
-          <a:lstStyle/>
-          <a:p>
-            <a:r>
-              <a:rPr lang="es-EC" dirty="0"/>
-              <a:t>ARQUITECTURA DE BACKEND</a:t>
-            </a:r>
-          </a:p>
-        </p:txBody>
-      </p:sp>
-      <p:sp>
-        <p:nvSpPr>
-          <p:cNvPr id="2" name="Rectángulo 1">
-            <a:extLst>
-              <a:ext uri="{FF2B5EF4-FFF2-40B4-BE49-F238E27FC236}">
-                <a16:creationId xmlns:a16="http://schemas.microsoft.com/office/drawing/2014/main" id="{F8D0A6C5-240C-40D8-89E8-94E910088031}"/>
-              </a:ext>
-            </a:extLst>
-          </p:cNvPr>
-          <p:cNvSpPr/>
-          <p:nvPr/>
-        </p:nvSpPr>
-        <p:spPr>
-          <a:xfrm>
-            <a:off x="520114" y="2951242"/>
-            <a:ext cx="7994709" cy="545286"/>
-          </a:xfrm>
-          <a:prstGeom prst="rect">
-            <a:avLst/>
-          </a:prstGeom>
-          <a:solidFill>
-            <a:schemeClr val="accent6">
-              <a:alpha val="64000"/>
-            </a:schemeClr>
-          </a:solidFill>
         </p:spPr>
         <p:style>
           <a:lnRef idx="2">
@@ -4037,19 +4316,16 @@
           <a:lstStyle/>
           <a:p>
             <a:pPr algn="ctr"/>
-            <a:r>
-              <a:rPr lang="es-EC" dirty="0"/>
-              <a:t>Archivos MZ 74</a:t>
-            </a:r>
-          </a:p>
-        </p:txBody>
-      </p:sp>
-      <p:sp>
-        <p:nvSpPr>
-          <p:cNvPr id="10" name="Rectángulo 9">
-            <a:extLst>
-              <a:ext uri="{FF2B5EF4-FFF2-40B4-BE49-F238E27FC236}">
-                <a16:creationId xmlns:a16="http://schemas.microsoft.com/office/drawing/2014/main" id="{4C3E7AD9-245C-4E72-8A57-888987784FBF}"/>
+            <a:endParaRPr lang="es-EC"/>
+          </a:p>
+        </p:txBody>
+      </p:sp>
+      <p:sp>
+        <p:nvSpPr>
+          <p:cNvPr id="24" name="Rectángulo 23">
+            <a:extLst>
+              <a:ext uri="{FF2B5EF4-FFF2-40B4-BE49-F238E27FC236}">
+                <a16:creationId xmlns:a16="http://schemas.microsoft.com/office/drawing/2014/main" id="{DA8805D2-98CE-4D88-8176-FCEBB4C3BF21}"/>
               </a:ext>
             </a:extLst>
           </p:cNvPr>
@@ -4058,15 +4334,66 @@
         </p:nvSpPr>
         <p:spPr>
           <a:xfrm>
-            <a:off x="514504" y="4215725"/>
-            <a:ext cx="7994709" cy="545286"/>
+            <a:off x="5445154" y="4112382"/>
+            <a:ext cx="3394745" cy="2009409"/>
           </a:xfrm>
           <a:prstGeom prst="rect">
             <a:avLst/>
           </a:prstGeom>
+        </p:spPr>
+        <p:style>
+          <a:lnRef idx="2">
+            <a:schemeClr val="accent1">
+              <a:shade val="50000"/>
+            </a:schemeClr>
+          </a:lnRef>
+          <a:fillRef idx="1">
+            <a:schemeClr val="accent1"/>
+          </a:fillRef>
+          <a:effectRef idx="0">
+            <a:schemeClr val="accent1"/>
+          </a:effectRef>
+          <a:fontRef idx="minor">
+            <a:schemeClr val="lt1"/>
+          </a:fontRef>
+        </p:style>
+        <p:txBody>
+          <a:bodyPr rtlCol="0" anchor="b"/>
+          <a:lstStyle/>
+          <a:p>
+            <a:pPr algn="ctr"/>
+            <a:r>
+              <a:rPr lang="es-EC" dirty="0"/>
+              <a:t>RUTEADOR – Navegación a componentes hijas</a:t>
+            </a:r>
+          </a:p>
+        </p:txBody>
+      </p:sp>
+      <p:sp>
+        <p:nvSpPr>
+          <p:cNvPr id="25" name="Flecha: hacia arriba 24">
+            <a:extLst>
+              <a:ext uri="{FF2B5EF4-FFF2-40B4-BE49-F238E27FC236}">
+                <a16:creationId xmlns:a16="http://schemas.microsoft.com/office/drawing/2014/main" id="{A5BA4D9C-9F6C-4295-9B63-8C0DCE41CE13}"/>
+              </a:ext>
+            </a:extLst>
+          </p:cNvPr>
+          <p:cNvSpPr/>
+          <p:nvPr/>
+        </p:nvSpPr>
+        <p:spPr>
+          <a:xfrm>
+            <a:off x="6194570" y="3816935"/>
+            <a:ext cx="343948" cy="467193"/>
+          </a:xfrm>
+          <a:prstGeom prst="upArrow">
+            <a:avLst/>
+          </a:prstGeom>
           <a:solidFill>
-            <a:schemeClr val="accent6">
-              <a:alpha val="64000"/>
+            <a:schemeClr val="accent4">
+              <a:lumMod val="60000"/>
+              <a:lumOff val="40000"/>
+              <a:alpha val="65000"/>
             </a:schemeClr>
           </a:solidFill>
         </p:spPr>
@@ -4091,23 +4418,16 @@
           <a:lstStyle/>
           <a:p>
             <a:pPr algn="ctr"/>
-            <a:r>
-              <a:rPr lang="es-EC" dirty="0" err="1"/>
-              <a:t>Catalogos</a:t>
-            </a:r>
-            <a:r>
-              <a:rPr lang="es-EC" dirty="0"/>
-              <a:t> MZ 72</a:t>
-            </a:r>
-          </a:p>
-        </p:txBody>
-      </p:sp>
-      <p:sp>
-        <p:nvSpPr>
-          <p:cNvPr id="11" name="Rectángulo 10">
-            <a:extLst>
-              <a:ext uri="{FF2B5EF4-FFF2-40B4-BE49-F238E27FC236}">
-                <a16:creationId xmlns:a16="http://schemas.microsoft.com/office/drawing/2014/main" id="{828BE514-80D4-4291-B6CC-CF98583A82AD}"/>
+            <a:endParaRPr lang="es-EC"/>
+          </a:p>
+        </p:txBody>
+      </p:sp>
+      <p:sp>
+        <p:nvSpPr>
+          <p:cNvPr id="2" name="Rectángulo 1">
+            <a:extLst>
+              <a:ext uri="{FF2B5EF4-FFF2-40B4-BE49-F238E27FC236}">
+                <a16:creationId xmlns:a16="http://schemas.microsoft.com/office/drawing/2014/main" id="{65FCCFFE-BF5C-41E3-8725-3820CE71D578}"/>
               </a:ext>
             </a:extLst>
           </p:cNvPr>
@@ -4116,427 +4436,8 @@
         </p:nvSpPr>
         <p:spPr>
           <a:xfrm>
-            <a:off x="514505" y="3563640"/>
-            <a:ext cx="7994709" cy="545286"/>
-          </a:xfrm>
-          <a:prstGeom prst="rect">
-            <a:avLst/>
-          </a:prstGeom>
-          <a:solidFill>
-            <a:schemeClr val="accent6">
-              <a:alpha val="64000"/>
-            </a:schemeClr>
-          </a:solidFill>
-        </p:spPr>
-        <p:style>
-          <a:lnRef idx="2">
-            <a:schemeClr val="accent6">
-              <a:shade val="50000"/>
-            </a:schemeClr>
-          </a:lnRef>
-          <a:fillRef idx="1">
-            <a:schemeClr val="accent6"/>
-          </a:fillRef>
-          <a:effectRef idx="0">
-            <a:schemeClr val="accent6"/>
-          </a:effectRef>
-          <a:fontRef idx="minor">
-            <a:schemeClr val="lt1"/>
-          </a:fontRef>
-        </p:style>
-        <p:txBody>
-          <a:bodyPr rtlCol="0" anchor="ctr"/>
-          <a:lstStyle/>
-          <a:p>
-            <a:pPr algn="ctr"/>
-            <a:r>
-              <a:rPr lang="es-EC" dirty="0" err="1"/>
-              <a:t>Catalogos</a:t>
-            </a:r>
-            <a:r>
-              <a:rPr lang="es-EC" dirty="0"/>
-              <a:t> DMZ 73</a:t>
-            </a:r>
-          </a:p>
-        </p:txBody>
-      </p:sp>
-      <p:sp>
-        <p:nvSpPr>
-          <p:cNvPr id="12" name="Rectángulo 11">
-            <a:extLst>
-              <a:ext uri="{FF2B5EF4-FFF2-40B4-BE49-F238E27FC236}">
-                <a16:creationId xmlns:a16="http://schemas.microsoft.com/office/drawing/2014/main" id="{A18991A6-CED6-4319-B848-7F65CE5E988F}"/>
-              </a:ext>
-            </a:extLst>
-          </p:cNvPr>
-          <p:cNvSpPr/>
-          <p:nvPr/>
-        </p:nvSpPr>
-        <p:spPr>
-          <a:xfrm>
-            <a:off x="514504" y="4836068"/>
-            <a:ext cx="7994709" cy="545286"/>
-          </a:xfrm>
-          <a:prstGeom prst="rect">
-            <a:avLst/>
-          </a:prstGeom>
-          <a:solidFill>
-            <a:schemeClr val="accent6">
-              <a:alpha val="64000"/>
-            </a:schemeClr>
-          </a:solidFill>
-        </p:spPr>
-        <p:style>
-          <a:lnRef idx="2">
-            <a:schemeClr val="accent6">
-              <a:shade val="50000"/>
-            </a:schemeClr>
-          </a:lnRef>
-          <a:fillRef idx="1">
-            <a:schemeClr val="accent6"/>
-          </a:fillRef>
-          <a:effectRef idx="0">
-            <a:schemeClr val="accent6"/>
-          </a:effectRef>
-          <a:fontRef idx="minor">
-            <a:schemeClr val="lt1"/>
-          </a:fontRef>
-        </p:style>
-        <p:txBody>
-          <a:bodyPr rtlCol="0" anchor="ctr"/>
-          <a:lstStyle/>
-          <a:p>
-            <a:pPr algn="ctr"/>
-            <a:r>
-              <a:rPr lang="es-EC" dirty="0"/>
-              <a:t>Auditoria MZ 71</a:t>
-            </a:r>
-          </a:p>
-        </p:txBody>
-      </p:sp>
-      <p:sp>
-        <p:nvSpPr>
-          <p:cNvPr id="13" name="Rectángulo 12">
-            <a:extLst>
-              <a:ext uri="{FF2B5EF4-FFF2-40B4-BE49-F238E27FC236}">
-                <a16:creationId xmlns:a16="http://schemas.microsoft.com/office/drawing/2014/main" id="{110BBA90-18A9-4BEB-AD50-1F485AA79F3E}"/>
-              </a:ext>
-            </a:extLst>
-          </p:cNvPr>
-          <p:cNvSpPr/>
-          <p:nvPr/>
-        </p:nvSpPr>
-        <p:spPr>
-          <a:xfrm>
-            <a:off x="2796330" y="1690980"/>
-            <a:ext cx="5718493" cy="545286"/>
-          </a:xfrm>
-          <a:prstGeom prst="rect">
-            <a:avLst/>
-          </a:prstGeom>
-          <a:solidFill>
-            <a:schemeClr val="accent6">
-              <a:alpha val="64000"/>
-            </a:schemeClr>
-          </a:solidFill>
-        </p:spPr>
-        <p:style>
-          <a:lnRef idx="2">
-            <a:schemeClr val="accent6">
-              <a:shade val="50000"/>
-            </a:schemeClr>
-          </a:lnRef>
-          <a:fillRef idx="1">
-            <a:schemeClr val="accent6"/>
-          </a:fillRef>
-          <a:effectRef idx="0">
-            <a:schemeClr val="accent6"/>
-          </a:effectRef>
-          <a:fontRef idx="minor">
-            <a:schemeClr val="lt1"/>
-          </a:fontRef>
-        </p:style>
-        <p:txBody>
-          <a:bodyPr rtlCol="0" anchor="ctr"/>
-          <a:lstStyle/>
-          <a:p>
-            <a:pPr algn="ctr"/>
-            <a:r>
-              <a:rPr lang="es-EC" dirty="0"/>
-              <a:t>Enviar Correo Electrónico 76</a:t>
-            </a:r>
-          </a:p>
-        </p:txBody>
-      </p:sp>
-      <p:sp>
-        <p:nvSpPr>
-          <p:cNvPr id="14" name="Rectángulo 13">
-            <a:extLst>
-              <a:ext uri="{FF2B5EF4-FFF2-40B4-BE49-F238E27FC236}">
-                <a16:creationId xmlns:a16="http://schemas.microsoft.com/office/drawing/2014/main" id="{71BD5EE7-2278-4CB1-BE80-C7940926ADA5}"/>
-              </a:ext>
-            </a:extLst>
-          </p:cNvPr>
-          <p:cNvSpPr/>
-          <p:nvPr/>
-        </p:nvSpPr>
-        <p:spPr>
-          <a:xfrm>
-            <a:off x="2790721" y="2304651"/>
-            <a:ext cx="5718493" cy="545286"/>
-          </a:xfrm>
-          <a:prstGeom prst="rect">
-            <a:avLst/>
-          </a:prstGeom>
-          <a:solidFill>
-            <a:schemeClr val="accent6">
-              <a:alpha val="64000"/>
-            </a:schemeClr>
-          </a:solidFill>
-        </p:spPr>
-        <p:style>
-          <a:lnRef idx="2">
-            <a:schemeClr val="accent6">
-              <a:shade val="50000"/>
-            </a:schemeClr>
-          </a:lnRef>
-          <a:fillRef idx="1">
-            <a:schemeClr val="accent6"/>
-          </a:fillRef>
-          <a:effectRef idx="0">
-            <a:schemeClr val="accent6"/>
-          </a:effectRef>
-          <a:fontRef idx="minor">
-            <a:schemeClr val="lt1"/>
-          </a:fontRef>
-        </p:style>
-        <p:txBody>
-          <a:bodyPr rtlCol="0" anchor="ctr"/>
-          <a:lstStyle/>
-          <a:p>
-            <a:pPr algn="ctr"/>
-            <a:r>
-              <a:rPr lang="es-EC" dirty="0"/>
-              <a:t>Generar PDF 75</a:t>
-            </a:r>
-          </a:p>
-        </p:txBody>
-      </p:sp>
-      <p:sp>
-        <p:nvSpPr>
-          <p:cNvPr id="15" name="Rectángulo 14">
-            <a:extLst>
-              <a:ext uri="{FF2B5EF4-FFF2-40B4-BE49-F238E27FC236}">
-                <a16:creationId xmlns:a16="http://schemas.microsoft.com/office/drawing/2014/main" id="{9E194573-F9D0-4F41-841C-C6005332B4A9}"/>
-              </a:ext>
-            </a:extLst>
-          </p:cNvPr>
-          <p:cNvSpPr/>
-          <p:nvPr/>
-        </p:nvSpPr>
-        <p:spPr>
-          <a:xfrm>
-            <a:off x="514504" y="5447493"/>
-            <a:ext cx="7994709" cy="732008"/>
-          </a:xfrm>
-          <a:prstGeom prst="rect">
-            <a:avLst/>
-          </a:prstGeom>
-          <a:solidFill>
-            <a:schemeClr val="accent2">
-              <a:alpha val="64000"/>
-            </a:schemeClr>
-          </a:solidFill>
-        </p:spPr>
-        <p:style>
-          <a:lnRef idx="2">
-            <a:schemeClr val="accent6">
-              <a:shade val="50000"/>
-            </a:schemeClr>
-          </a:lnRef>
-          <a:fillRef idx="1">
-            <a:schemeClr val="accent6"/>
-          </a:fillRef>
-          <a:effectRef idx="0">
-            <a:schemeClr val="accent6"/>
-          </a:effectRef>
-          <a:fontRef idx="minor">
-            <a:schemeClr val="lt1"/>
-          </a:fontRef>
-        </p:style>
-        <p:txBody>
-          <a:bodyPr rtlCol="0" anchor="ctr"/>
-          <a:lstStyle/>
-          <a:p>
-            <a:pPr algn="ctr"/>
-            <a:r>
-              <a:rPr lang="es-EC" dirty="0"/>
-              <a:t>AUTENTICADOR</a:t>
-            </a:r>
-          </a:p>
-          <a:p>
-            <a:pPr algn="ctr"/>
-            <a:r>
-              <a:rPr lang="es-EC" dirty="0"/>
-              <a:t>70</a:t>
-            </a:r>
-          </a:p>
-        </p:txBody>
-      </p:sp>
-      <p:sp>
-        <p:nvSpPr>
-          <p:cNvPr id="16" name="Rectángulo 15">
-            <a:extLst>
-              <a:ext uri="{FF2B5EF4-FFF2-40B4-BE49-F238E27FC236}">
-                <a16:creationId xmlns:a16="http://schemas.microsoft.com/office/drawing/2014/main" id="{B45A8226-3674-4D4E-B40A-3985DC789BE6}"/>
-              </a:ext>
-            </a:extLst>
-          </p:cNvPr>
-          <p:cNvSpPr/>
-          <p:nvPr/>
-        </p:nvSpPr>
-        <p:spPr>
-          <a:xfrm>
-            <a:off x="2790721" y="1085881"/>
-            <a:ext cx="5718493" cy="545286"/>
-          </a:xfrm>
-          <a:prstGeom prst="rect">
-            <a:avLst/>
-          </a:prstGeom>
-          <a:solidFill>
-            <a:schemeClr val="accent6">
-              <a:alpha val="64000"/>
-            </a:schemeClr>
-          </a:solidFill>
-        </p:spPr>
-        <p:style>
-          <a:lnRef idx="2">
-            <a:schemeClr val="accent6">
-              <a:shade val="50000"/>
-            </a:schemeClr>
-          </a:lnRef>
-          <a:fillRef idx="1">
-            <a:schemeClr val="accent6"/>
-          </a:fillRef>
-          <a:effectRef idx="0">
-            <a:schemeClr val="accent6"/>
-          </a:effectRef>
-          <a:fontRef idx="minor">
-            <a:schemeClr val="lt1"/>
-          </a:fontRef>
-        </p:style>
-        <p:txBody>
-          <a:bodyPr rtlCol="0" anchor="ctr"/>
-          <a:lstStyle/>
-          <a:p>
-            <a:pPr algn="ctr"/>
-            <a:r>
-              <a:rPr lang="es-EC" dirty="0"/>
-              <a:t>ASSETS 77</a:t>
-            </a:r>
-          </a:p>
-        </p:txBody>
-      </p:sp>
-      <p:sp>
-        <p:nvSpPr>
-          <p:cNvPr id="17" name="Rectángulo 16">
-            <a:extLst>
-              <a:ext uri="{FF2B5EF4-FFF2-40B4-BE49-F238E27FC236}">
-                <a16:creationId xmlns:a16="http://schemas.microsoft.com/office/drawing/2014/main" id="{88D21BE6-A1FF-4FFB-B784-6DC4088651B0}"/>
-              </a:ext>
-            </a:extLst>
-          </p:cNvPr>
-          <p:cNvSpPr/>
-          <p:nvPr/>
-        </p:nvSpPr>
-        <p:spPr>
-          <a:xfrm>
-            <a:off x="514504" y="467086"/>
-            <a:ext cx="7994709" cy="545286"/>
-          </a:xfrm>
-          <a:prstGeom prst="rect">
-            <a:avLst/>
-          </a:prstGeom>
-          <a:solidFill>
-            <a:schemeClr val="accent6">
-              <a:alpha val="64000"/>
-            </a:schemeClr>
-          </a:solidFill>
-        </p:spPr>
-        <p:style>
-          <a:lnRef idx="2">
-            <a:schemeClr val="accent6">
-              <a:shade val="50000"/>
-            </a:schemeClr>
-          </a:lnRef>
-          <a:fillRef idx="1">
-            <a:schemeClr val="accent6"/>
-          </a:fillRef>
-          <a:effectRef idx="0">
-            <a:schemeClr val="accent6"/>
-          </a:effectRef>
-          <a:fontRef idx="minor">
-            <a:schemeClr val="lt1"/>
-          </a:fontRef>
-        </p:style>
-        <p:txBody>
-          <a:bodyPr rtlCol="0" anchor="ctr"/>
-          <a:lstStyle/>
-          <a:p>
-            <a:pPr algn="ctr"/>
-            <a:r>
-              <a:rPr lang="es-EC" dirty="0"/>
-              <a:t>MAIN DATA 78</a:t>
-            </a:r>
-          </a:p>
-        </p:txBody>
-      </p:sp>
-    </p:spTree>
-    <p:extLst>
-      <p:ext uri="{BB962C8B-B14F-4D97-AF65-F5344CB8AC3E}">
-        <p14:creationId xmlns:p14="http://schemas.microsoft.com/office/powerpoint/2010/main" val="1089199657"/>
-      </p:ext>
-    </p:extLst>
-  </p:cSld>
-  <p:clrMapOvr>
-    <a:masterClrMapping/>
-  </p:clrMapOvr>
-</p:sld>
-</file>
-
-<file path=ppt/slides/slide3.xml><?xml version="1.0" encoding="utf-8"?>
-<p:sld xmlns:a="http://schemas.openxmlformats.org/drawingml/2006/main" xmlns:r="http://schemas.openxmlformats.org/officeDocument/2006/relationships" xmlns:p="http://schemas.openxmlformats.org/presentationml/2006/main">
-  <p:cSld>
-    <p:spTree>
-      <p:nvGrpSpPr>
-        <p:cNvPr id="1" name=""/>
-        <p:cNvGrpSpPr/>
-        <p:nvPr/>
-      </p:nvGrpSpPr>
-      <p:grpSpPr>
-        <a:xfrm>
-          <a:off x="0" y="0"/>
-          <a:ext cx="0" cy="0"/>
-          <a:chOff x="0" y="0"/>
-          <a:chExt cx="0" cy="0"/>
-        </a:xfrm>
-      </p:grpSpPr>
-      <p:sp>
-        <p:nvSpPr>
-          <p:cNvPr id="4" name="Rectángulo 3">
-            <a:extLst>
-              <a:ext uri="{FF2B5EF4-FFF2-40B4-BE49-F238E27FC236}">
-                <a16:creationId xmlns:a16="http://schemas.microsoft.com/office/drawing/2014/main" id="{FECD0E08-4B53-45B7-9DA9-5AD6E1E9E3EE}"/>
-              </a:ext>
-            </a:extLst>
-          </p:cNvPr>
-          <p:cNvSpPr/>
-          <p:nvPr/>
-        </p:nvSpPr>
-        <p:spPr>
-          <a:xfrm>
-            <a:off x="3311554" y="643752"/>
-            <a:ext cx="1996580" cy="5486400"/>
+            <a:off x="461394" y="6255987"/>
+            <a:ext cx="10299583" cy="360727"/>
           </a:xfrm>
           <a:prstGeom prst="rect">
             <a:avLst/>
@@ -4565,17 +4466,17 @@
             <a:pPr algn="ctr"/>
             <a:r>
               <a:rPr lang="es-EC" dirty="0"/>
-              <a:t>SERVICIO</a:t>
-            </a:r>
-          </a:p>
-        </p:txBody>
-      </p:sp>
-      <p:sp>
-        <p:nvSpPr>
-          <p:cNvPr id="5" name="Rectángulo 4">
-            <a:extLst>
-              <a:ext uri="{FF2B5EF4-FFF2-40B4-BE49-F238E27FC236}">
-                <a16:creationId xmlns:a16="http://schemas.microsoft.com/office/drawing/2014/main" id="{DB442C69-9C3C-4D12-9BFE-97F8DEE16EF0}"/>
+              <a:t>GUARD</a:t>
+            </a:r>
+          </a:p>
+        </p:txBody>
+      </p:sp>
+      <p:sp>
+        <p:nvSpPr>
+          <p:cNvPr id="16" name="Rectángulo 15">
+            <a:extLst>
+              <a:ext uri="{FF2B5EF4-FFF2-40B4-BE49-F238E27FC236}">
+                <a16:creationId xmlns:a16="http://schemas.microsoft.com/office/drawing/2014/main" id="{20B1CCCB-3207-485F-9D55-3590EC10094B}"/>
               </a:ext>
             </a:extLst>
           </p:cNvPr>
@@ -4584,8 +4485,8 @@
         </p:nvSpPr>
         <p:spPr>
           <a:xfrm>
-            <a:off x="5445154" y="643752"/>
-            <a:ext cx="5315824" cy="3372376"/>
+            <a:off x="461394" y="639349"/>
+            <a:ext cx="2374085" cy="5490803"/>
           </a:xfrm>
           <a:prstGeom prst="rect">
             <a:avLst/>
@@ -4608,670 +4509,6 @@
           </a:fontRef>
         </p:style>
         <p:txBody>
-          <a:bodyPr rtlCol="0" anchor="b"/>
-          <a:lstStyle/>
-          <a:p>
-            <a:pPr algn="ctr"/>
-            <a:r>
-              <a:rPr lang="es-EC" dirty="0"/>
-              <a:t>COMPONENTE</a:t>
-            </a:r>
-          </a:p>
-        </p:txBody>
-      </p:sp>
-      <p:sp>
-        <p:nvSpPr>
-          <p:cNvPr id="9" name="CuadroTexto 8">
-            <a:extLst>
-              <a:ext uri="{FF2B5EF4-FFF2-40B4-BE49-F238E27FC236}">
-                <a16:creationId xmlns:a16="http://schemas.microsoft.com/office/drawing/2014/main" id="{1D79D841-4F20-408F-88F3-9806B05A49B9}"/>
-              </a:ext>
-            </a:extLst>
-          </p:cNvPr>
-          <p:cNvSpPr txBox="1"/>
-          <p:nvPr/>
-        </p:nvSpPr>
-        <p:spPr>
-          <a:xfrm>
-            <a:off x="4186106" y="0"/>
-            <a:ext cx="3072059" cy="369332"/>
-          </a:xfrm>
-          <a:prstGeom prst="rect">
-            <a:avLst/>
-          </a:prstGeom>
-          <a:noFill/>
-        </p:spPr>
-        <p:txBody>
-          <a:bodyPr wrap="none" rtlCol="0">
-            <a:spAutoFit/>
-          </a:bodyPr>
-          <a:lstStyle/>
-          <a:p>
-            <a:r>
-              <a:rPr lang="es-EC" dirty="0"/>
-              <a:t>ARQUITECTURA DE FRONTEND</a:t>
-            </a:r>
-          </a:p>
-        </p:txBody>
-      </p:sp>
-      <p:sp>
-        <p:nvSpPr>
-          <p:cNvPr id="3" name="Elipse 2">
-            <a:extLst>
-              <a:ext uri="{FF2B5EF4-FFF2-40B4-BE49-F238E27FC236}">
-                <a16:creationId xmlns:a16="http://schemas.microsoft.com/office/drawing/2014/main" id="{E37AE821-0F8C-42EA-A65D-4B768EFAA5EB}"/>
-              </a:ext>
-            </a:extLst>
-          </p:cNvPr>
-          <p:cNvSpPr/>
-          <p:nvPr/>
-        </p:nvSpPr>
-        <p:spPr>
-          <a:xfrm>
-            <a:off x="2963411" y="1038034"/>
-            <a:ext cx="696286" cy="620786"/>
-          </a:xfrm>
-          <a:prstGeom prst="ellipse">
-            <a:avLst/>
-          </a:prstGeom>
-        </p:spPr>
-        <p:style>
-          <a:lnRef idx="2">
-            <a:schemeClr val="accent2">
-              <a:shade val="50000"/>
-            </a:schemeClr>
-          </a:lnRef>
-          <a:fillRef idx="1">
-            <a:schemeClr val="accent2"/>
-          </a:fillRef>
-          <a:effectRef idx="0">
-            <a:schemeClr val="accent2"/>
-          </a:effectRef>
-          <a:fontRef idx="minor">
-            <a:schemeClr val="lt1"/>
-          </a:fontRef>
-        </p:style>
-        <p:txBody>
-          <a:bodyPr rtlCol="0" anchor="ctr"/>
-          <a:lstStyle/>
-          <a:p>
-            <a:pPr algn="ctr"/>
-            <a:endParaRPr lang="es-EC"/>
-          </a:p>
-        </p:txBody>
-      </p:sp>
-      <p:sp>
-        <p:nvSpPr>
-          <p:cNvPr id="18" name="Elipse 17">
-            <a:extLst>
-              <a:ext uri="{FF2B5EF4-FFF2-40B4-BE49-F238E27FC236}">
-                <a16:creationId xmlns:a16="http://schemas.microsoft.com/office/drawing/2014/main" id="{E37CCEA5-B9FD-489B-B4A3-167F980630D7}"/>
-              </a:ext>
-            </a:extLst>
-          </p:cNvPr>
-          <p:cNvSpPr/>
-          <p:nvPr/>
-        </p:nvSpPr>
-        <p:spPr>
-          <a:xfrm>
-            <a:off x="2963411" y="1742709"/>
-            <a:ext cx="696286" cy="620786"/>
-          </a:xfrm>
-          <a:prstGeom prst="ellipse">
-            <a:avLst/>
-          </a:prstGeom>
-        </p:spPr>
-        <p:style>
-          <a:lnRef idx="2">
-            <a:schemeClr val="accent2">
-              <a:shade val="50000"/>
-            </a:schemeClr>
-          </a:lnRef>
-          <a:fillRef idx="1">
-            <a:schemeClr val="accent2"/>
-          </a:fillRef>
-          <a:effectRef idx="0">
-            <a:schemeClr val="accent2"/>
-          </a:effectRef>
-          <a:fontRef idx="minor">
-            <a:schemeClr val="lt1"/>
-          </a:fontRef>
-        </p:style>
-        <p:txBody>
-          <a:bodyPr rtlCol="0" anchor="ctr"/>
-          <a:lstStyle/>
-          <a:p>
-            <a:pPr algn="ctr"/>
-            <a:endParaRPr lang="es-EC"/>
-          </a:p>
-        </p:txBody>
-      </p:sp>
-      <p:sp>
-        <p:nvSpPr>
-          <p:cNvPr id="7" name="Rectángulo 6">
-            <a:extLst>
-              <a:ext uri="{FF2B5EF4-FFF2-40B4-BE49-F238E27FC236}">
-                <a16:creationId xmlns:a16="http://schemas.microsoft.com/office/drawing/2014/main" id="{C3970E8A-D24D-4E55-8413-8F76E5039246}"/>
-              </a:ext>
-            </a:extLst>
-          </p:cNvPr>
-          <p:cNvSpPr/>
-          <p:nvPr/>
-        </p:nvSpPr>
-        <p:spPr>
-          <a:xfrm>
-            <a:off x="5445154" y="643750"/>
-            <a:ext cx="1652632" cy="2994885"/>
-          </a:xfrm>
-          <a:prstGeom prst="rect">
-            <a:avLst/>
-          </a:prstGeom>
-        </p:spPr>
-        <p:style>
-          <a:lnRef idx="2">
-            <a:schemeClr val="accent6">
-              <a:shade val="50000"/>
-            </a:schemeClr>
-          </a:lnRef>
-          <a:fillRef idx="1">
-            <a:schemeClr val="accent6"/>
-          </a:fillRef>
-          <a:effectRef idx="0">
-            <a:schemeClr val="accent6"/>
-          </a:effectRef>
-          <a:fontRef idx="minor">
-            <a:schemeClr val="lt1"/>
-          </a:fontRef>
-        </p:style>
-        <p:txBody>
-          <a:bodyPr rtlCol="0" anchor="ctr"/>
-          <a:lstStyle/>
-          <a:p>
-            <a:pPr algn="ctr"/>
-            <a:r>
-              <a:rPr lang="es-EC" dirty="0"/>
-              <a:t>TYPESCRIPT</a:t>
-            </a:r>
-          </a:p>
-          <a:p>
-            <a:pPr algn="ctr"/>
-            <a:r>
-              <a:rPr lang="es-EC" dirty="0"/>
-              <a:t>INTELIGENCIA</a:t>
-            </a:r>
-          </a:p>
-          <a:p>
-            <a:pPr algn="ctr"/>
-            <a:endParaRPr lang="es-EC" dirty="0"/>
-          </a:p>
-          <a:p>
-            <a:pPr algn="ctr"/>
-            <a:r>
-              <a:rPr lang="es-EC" dirty="0" err="1"/>
-              <a:t>Eq</a:t>
-            </a:r>
-            <a:r>
-              <a:rPr lang="es-EC" dirty="0"/>
-              <a:t>. JAVASCRIPT</a:t>
-            </a:r>
-          </a:p>
-        </p:txBody>
-      </p:sp>
-      <p:sp>
-        <p:nvSpPr>
-          <p:cNvPr id="19" name="Rectángulo 18">
-            <a:extLst>
-              <a:ext uri="{FF2B5EF4-FFF2-40B4-BE49-F238E27FC236}">
-                <a16:creationId xmlns:a16="http://schemas.microsoft.com/office/drawing/2014/main" id="{81FA9DBF-BAAF-428D-80EE-2D0EC972EAAC}"/>
-              </a:ext>
-            </a:extLst>
-          </p:cNvPr>
-          <p:cNvSpPr/>
-          <p:nvPr/>
-        </p:nvSpPr>
-        <p:spPr>
-          <a:xfrm>
-            <a:off x="7079608" y="643737"/>
-            <a:ext cx="2028737" cy="2994885"/>
-          </a:xfrm>
-          <a:prstGeom prst="rect">
-            <a:avLst/>
-          </a:prstGeom>
-        </p:spPr>
-        <p:style>
-          <a:lnRef idx="2">
-            <a:schemeClr val="accent3">
-              <a:shade val="50000"/>
-            </a:schemeClr>
-          </a:lnRef>
-          <a:fillRef idx="1">
-            <a:schemeClr val="accent3"/>
-          </a:fillRef>
-          <a:effectRef idx="0">
-            <a:schemeClr val="accent3"/>
-          </a:effectRef>
-          <a:fontRef idx="minor">
-            <a:schemeClr val="lt1"/>
-          </a:fontRef>
-        </p:style>
-        <p:txBody>
-          <a:bodyPr rtlCol="0" anchor="ctr"/>
-          <a:lstStyle/>
-          <a:p>
-            <a:pPr algn="ctr"/>
-            <a:r>
-              <a:rPr lang="es-EC" dirty="0"/>
-              <a:t>VISTA HTML</a:t>
-            </a:r>
-          </a:p>
-          <a:p>
-            <a:pPr algn="ctr"/>
-            <a:r>
-              <a:rPr lang="es-EC" dirty="0"/>
-              <a:t>OBJETOS VISUALES</a:t>
-            </a:r>
-          </a:p>
-        </p:txBody>
-      </p:sp>
-      <p:sp>
-        <p:nvSpPr>
-          <p:cNvPr id="20" name="Rectángulo 19">
-            <a:extLst>
-              <a:ext uri="{FF2B5EF4-FFF2-40B4-BE49-F238E27FC236}">
-                <a16:creationId xmlns:a16="http://schemas.microsoft.com/office/drawing/2014/main" id="{9397F999-B135-4CC3-A5FC-AE5455880F94}"/>
-              </a:ext>
-            </a:extLst>
-          </p:cNvPr>
-          <p:cNvSpPr/>
-          <p:nvPr/>
-        </p:nvSpPr>
-        <p:spPr>
-          <a:xfrm>
-            <a:off x="9108346" y="643736"/>
-            <a:ext cx="1652632" cy="2994885"/>
-          </a:xfrm>
-          <a:prstGeom prst="rect">
-            <a:avLst/>
-          </a:prstGeom>
-          <a:solidFill>
-            <a:schemeClr val="accent4">
-              <a:lumMod val="75000"/>
-            </a:schemeClr>
-          </a:solidFill>
-        </p:spPr>
-        <p:style>
-          <a:lnRef idx="2">
-            <a:schemeClr val="accent6">
-              <a:shade val="50000"/>
-            </a:schemeClr>
-          </a:lnRef>
-          <a:fillRef idx="1">
-            <a:schemeClr val="accent6"/>
-          </a:fillRef>
-          <a:effectRef idx="0">
-            <a:schemeClr val="accent6"/>
-          </a:effectRef>
-          <a:fontRef idx="minor">
-            <a:schemeClr val="lt1"/>
-          </a:fontRef>
-        </p:style>
-        <p:txBody>
-          <a:bodyPr rtlCol="0" anchor="ctr"/>
-          <a:lstStyle/>
-          <a:p>
-            <a:pPr algn="ctr"/>
-            <a:r>
-              <a:rPr lang="es-EC" dirty="0"/>
-              <a:t>ESTILO (CSS, SCSS, SASS, LESS)</a:t>
-            </a:r>
-          </a:p>
-          <a:p>
-            <a:pPr algn="ctr"/>
-            <a:endParaRPr lang="es-EC" dirty="0"/>
-          </a:p>
-          <a:p>
-            <a:pPr algn="ctr"/>
-            <a:r>
-              <a:rPr lang="es-EC" dirty="0" err="1"/>
-              <a:t>Eq</a:t>
-            </a:r>
-            <a:r>
-              <a:rPr lang="es-EC" dirty="0"/>
-              <a:t>. CSS</a:t>
-            </a:r>
-          </a:p>
-        </p:txBody>
-      </p:sp>
-      <p:sp>
-        <p:nvSpPr>
-          <p:cNvPr id="8" name="Flecha: a la izquierda y derecha 7">
-            <a:extLst>
-              <a:ext uri="{FF2B5EF4-FFF2-40B4-BE49-F238E27FC236}">
-                <a16:creationId xmlns:a16="http://schemas.microsoft.com/office/drawing/2014/main" id="{3EC5DCE3-84AC-434D-BBE4-EEF6D5280BDF}"/>
-              </a:ext>
-            </a:extLst>
-          </p:cNvPr>
-          <p:cNvSpPr/>
-          <p:nvPr/>
-        </p:nvSpPr>
-        <p:spPr>
-          <a:xfrm>
-            <a:off x="5175308" y="3734889"/>
-            <a:ext cx="402672" cy="243281"/>
-          </a:xfrm>
-          <a:prstGeom prst="leftRightArrow">
-            <a:avLst/>
-          </a:prstGeom>
-        </p:spPr>
-        <p:style>
-          <a:lnRef idx="2">
-            <a:schemeClr val="accent2">
-              <a:shade val="50000"/>
-            </a:schemeClr>
-          </a:lnRef>
-          <a:fillRef idx="1">
-            <a:schemeClr val="accent2"/>
-          </a:fillRef>
-          <a:effectRef idx="0">
-            <a:schemeClr val="accent2"/>
-          </a:effectRef>
-          <a:fontRef idx="minor">
-            <a:schemeClr val="lt1"/>
-          </a:fontRef>
-        </p:style>
-        <p:txBody>
-          <a:bodyPr rtlCol="0" anchor="ctr"/>
-          <a:lstStyle/>
-          <a:p>
-            <a:pPr algn="ctr"/>
-            <a:endParaRPr lang="es-EC"/>
-          </a:p>
-        </p:txBody>
-      </p:sp>
-      <p:sp>
-        <p:nvSpPr>
-          <p:cNvPr id="21" name="Rectángulo 20">
-            <a:extLst>
-              <a:ext uri="{FF2B5EF4-FFF2-40B4-BE49-F238E27FC236}">
-                <a16:creationId xmlns:a16="http://schemas.microsoft.com/office/drawing/2014/main" id="{A8DB728B-F74F-4BDD-A56A-5E07E96F289B}"/>
-              </a:ext>
-            </a:extLst>
-          </p:cNvPr>
-          <p:cNvSpPr/>
-          <p:nvPr/>
-        </p:nvSpPr>
-        <p:spPr>
-          <a:xfrm>
-            <a:off x="8907010" y="4120743"/>
-            <a:ext cx="1853967" cy="2009409"/>
-          </a:xfrm>
-          <a:prstGeom prst="rect">
-            <a:avLst/>
-          </a:prstGeom>
-        </p:spPr>
-        <p:style>
-          <a:lnRef idx="2">
-            <a:schemeClr val="accent1">
-              <a:shade val="50000"/>
-            </a:schemeClr>
-          </a:lnRef>
-          <a:fillRef idx="1">
-            <a:schemeClr val="accent1"/>
-          </a:fillRef>
-          <a:effectRef idx="0">
-            <a:schemeClr val="accent1"/>
-          </a:effectRef>
-          <a:fontRef idx="minor">
-            <a:schemeClr val="lt1"/>
-          </a:fontRef>
-        </p:style>
-        <p:txBody>
-          <a:bodyPr rtlCol="0" anchor="b"/>
-          <a:lstStyle/>
-          <a:p>
-            <a:pPr algn="ctr"/>
-            <a:r>
-              <a:rPr lang="es-EC" dirty="0"/>
-              <a:t>MÓDULO (proveedores, exportaciones, importaciones)</a:t>
-            </a:r>
-          </a:p>
-        </p:txBody>
-      </p:sp>
-      <p:sp>
-        <p:nvSpPr>
-          <p:cNvPr id="23" name="Flecha: hacia arriba 22">
-            <a:extLst>
-              <a:ext uri="{FF2B5EF4-FFF2-40B4-BE49-F238E27FC236}">
-                <a16:creationId xmlns:a16="http://schemas.microsoft.com/office/drawing/2014/main" id="{07AF7ED3-CCF5-42E9-B282-BB0819B278B1}"/>
-              </a:ext>
-            </a:extLst>
-          </p:cNvPr>
-          <p:cNvSpPr/>
-          <p:nvPr/>
-        </p:nvSpPr>
-        <p:spPr>
-          <a:xfrm>
-            <a:off x="10182138" y="3856502"/>
-            <a:ext cx="343948" cy="467193"/>
-          </a:xfrm>
-          <a:prstGeom prst="upArrow">
-            <a:avLst/>
-          </a:prstGeom>
-        </p:spPr>
-        <p:style>
-          <a:lnRef idx="2">
-            <a:schemeClr val="accent6">
-              <a:shade val="50000"/>
-            </a:schemeClr>
-          </a:lnRef>
-          <a:fillRef idx="1">
-            <a:schemeClr val="accent6"/>
-          </a:fillRef>
-          <a:effectRef idx="0">
-            <a:schemeClr val="accent6"/>
-          </a:effectRef>
-          <a:fontRef idx="minor">
-            <a:schemeClr val="lt1"/>
-          </a:fontRef>
-        </p:style>
-        <p:txBody>
-          <a:bodyPr rtlCol="0" anchor="ctr"/>
-          <a:lstStyle/>
-          <a:p>
-            <a:pPr algn="ctr"/>
-            <a:endParaRPr lang="es-EC"/>
-          </a:p>
-        </p:txBody>
-      </p:sp>
-      <p:sp>
-        <p:nvSpPr>
-          <p:cNvPr id="24" name="Rectángulo 23">
-            <a:extLst>
-              <a:ext uri="{FF2B5EF4-FFF2-40B4-BE49-F238E27FC236}">
-                <a16:creationId xmlns:a16="http://schemas.microsoft.com/office/drawing/2014/main" id="{DA8805D2-98CE-4D88-8176-FCEBB4C3BF21}"/>
-              </a:ext>
-            </a:extLst>
-          </p:cNvPr>
-          <p:cNvSpPr/>
-          <p:nvPr/>
-        </p:nvSpPr>
-        <p:spPr>
-          <a:xfrm>
-            <a:off x="5445154" y="4112382"/>
-            <a:ext cx="3394745" cy="2009409"/>
-          </a:xfrm>
-          <a:prstGeom prst="rect">
-            <a:avLst/>
-          </a:prstGeom>
-        </p:spPr>
-        <p:style>
-          <a:lnRef idx="2">
-            <a:schemeClr val="accent1">
-              <a:shade val="50000"/>
-            </a:schemeClr>
-          </a:lnRef>
-          <a:fillRef idx="1">
-            <a:schemeClr val="accent1"/>
-          </a:fillRef>
-          <a:effectRef idx="0">
-            <a:schemeClr val="accent1"/>
-          </a:effectRef>
-          <a:fontRef idx="minor">
-            <a:schemeClr val="lt1"/>
-          </a:fontRef>
-        </p:style>
-        <p:txBody>
-          <a:bodyPr rtlCol="0" anchor="b"/>
-          <a:lstStyle/>
-          <a:p>
-            <a:pPr algn="ctr"/>
-            <a:r>
-              <a:rPr lang="es-EC" dirty="0"/>
-              <a:t>RUTEADOR – Navegación a componentes hijas</a:t>
-            </a:r>
-          </a:p>
-        </p:txBody>
-      </p:sp>
-      <p:sp>
-        <p:nvSpPr>
-          <p:cNvPr id="25" name="Flecha: hacia arriba 24">
-            <a:extLst>
-              <a:ext uri="{FF2B5EF4-FFF2-40B4-BE49-F238E27FC236}">
-                <a16:creationId xmlns:a16="http://schemas.microsoft.com/office/drawing/2014/main" id="{A5BA4D9C-9F6C-4295-9B63-8C0DCE41CE13}"/>
-              </a:ext>
-            </a:extLst>
-          </p:cNvPr>
-          <p:cNvSpPr/>
-          <p:nvPr/>
-        </p:nvSpPr>
-        <p:spPr>
-          <a:xfrm>
-            <a:off x="6194570" y="3816935"/>
-            <a:ext cx="343948" cy="467193"/>
-          </a:xfrm>
-          <a:prstGeom prst="upArrow">
-            <a:avLst/>
-          </a:prstGeom>
-          <a:solidFill>
-            <a:schemeClr val="accent4">
-              <a:lumMod val="60000"/>
-              <a:lumOff val="40000"/>
-              <a:alpha val="65000"/>
-            </a:schemeClr>
-          </a:solidFill>
-        </p:spPr>
-        <p:style>
-          <a:lnRef idx="2">
-            <a:schemeClr val="accent6">
-              <a:shade val="50000"/>
-            </a:schemeClr>
-          </a:lnRef>
-          <a:fillRef idx="1">
-            <a:schemeClr val="accent6"/>
-          </a:fillRef>
-          <a:effectRef idx="0">
-            <a:schemeClr val="accent6"/>
-          </a:effectRef>
-          <a:fontRef idx="minor">
-            <a:schemeClr val="lt1"/>
-          </a:fontRef>
-        </p:style>
-        <p:txBody>
-          <a:bodyPr rtlCol="0" anchor="ctr"/>
-          <a:lstStyle/>
-          <a:p>
-            <a:pPr algn="ctr"/>
-            <a:endParaRPr lang="es-EC"/>
-          </a:p>
-        </p:txBody>
-      </p:sp>
-      <p:sp>
-        <p:nvSpPr>
-          <p:cNvPr id="2" name="Rectángulo 1">
-            <a:extLst>
-              <a:ext uri="{FF2B5EF4-FFF2-40B4-BE49-F238E27FC236}">
-                <a16:creationId xmlns:a16="http://schemas.microsoft.com/office/drawing/2014/main" id="{65FCCFFE-BF5C-41E3-8725-3820CE71D578}"/>
-              </a:ext>
-            </a:extLst>
-          </p:cNvPr>
-          <p:cNvSpPr/>
-          <p:nvPr/>
-        </p:nvSpPr>
-        <p:spPr>
-          <a:xfrm>
-            <a:off x="461394" y="6255987"/>
-            <a:ext cx="10299583" cy="360727"/>
-          </a:xfrm>
-          <a:prstGeom prst="rect">
-            <a:avLst/>
-          </a:prstGeom>
-        </p:spPr>
-        <p:style>
-          <a:lnRef idx="2">
-            <a:schemeClr val="accent1">
-              <a:shade val="50000"/>
-            </a:schemeClr>
-          </a:lnRef>
-          <a:fillRef idx="1">
-            <a:schemeClr val="accent1"/>
-          </a:fillRef>
-          <a:effectRef idx="0">
-            <a:schemeClr val="accent1"/>
-          </a:effectRef>
-          <a:fontRef idx="minor">
-            <a:schemeClr val="lt1"/>
-          </a:fontRef>
-        </p:style>
-        <p:txBody>
-          <a:bodyPr rtlCol="0" anchor="ctr"/>
-          <a:lstStyle/>
-          <a:p>
-            <a:pPr algn="ctr"/>
-            <a:r>
-              <a:rPr lang="es-EC" dirty="0"/>
-              <a:t>GUARD</a:t>
-            </a:r>
-          </a:p>
-        </p:txBody>
-      </p:sp>
-      <p:sp>
-        <p:nvSpPr>
-          <p:cNvPr id="16" name="Rectángulo 15">
-            <a:extLst>
-              <a:ext uri="{FF2B5EF4-FFF2-40B4-BE49-F238E27FC236}">
-                <a16:creationId xmlns:a16="http://schemas.microsoft.com/office/drawing/2014/main" id="{20B1CCCB-3207-485F-9D55-3590EC10094B}"/>
-              </a:ext>
-            </a:extLst>
-          </p:cNvPr>
-          <p:cNvSpPr/>
-          <p:nvPr/>
-        </p:nvSpPr>
-        <p:spPr>
-          <a:xfrm>
-            <a:off x="461394" y="639349"/>
-            <a:ext cx="2374085" cy="5490803"/>
-          </a:xfrm>
-          <a:prstGeom prst="rect">
-            <a:avLst/>
-          </a:prstGeom>
-        </p:spPr>
-        <p:style>
-          <a:lnRef idx="2">
-            <a:schemeClr val="accent1">
-              <a:shade val="50000"/>
-            </a:schemeClr>
-          </a:lnRef>
-          <a:fillRef idx="1">
-            <a:schemeClr val="accent1"/>
-          </a:fillRef>
-          <a:effectRef idx="0">
-            <a:schemeClr val="accent1"/>
-          </a:effectRef>
-          <a:fontRef idx="minor">
-            <a:schemeClr val="lt1"/>
-          </a:fontRef>
-        </p:style>
-        <p:txBody>
           <a:bodyPr rtlCol="0" anchor="ctr"/>
           <a:lstStyle/>
           <a:p>
@@ -5296,7 +4533,7 @@
 </p:sld>
 </file>
 
-<file path=ppt/slides/slide4.xml><?xml version="1.0" encoding="utf-8"?>
+<file path=ppt/slides/slide3.xml><?xml version="1.0" encoding="utf-8"?>
 <p:sld xmlns:a="http://schemas.openxmlformats.org/drawingml/2006/main" xmlns:r="http://schemas.openxmlformats.org/officeDocument/2006/relationships" xmlns:p="http://schemas.openxmlformats.org/presentationml/2006/main">
   <p:cSld>
     <p:spTree>
